--- a/Paws - An R Package for Amazon Web Services.pptx
+++ b/Paws - An R Package for Amazon Web Services.pptx
@@ -3442,7 +3442,7 @@
           <a:p>
             <a:fld id="{358AFD3D-0780-4A49-8EFD-A99312463CB2}" type="datetimeFigureOut">
               <a:rPr lang="en-US" smtClean="0"/>
-              <a:t>9/18/2019</a:t>
+              <a:t>9/22/2019</a:t>
             </a:fld>
             <a:endParaRPr lang="en-US"/>
           </a:p>
@@ -3640,7 +3640,7 @@
           <a:p>
             <a:fld id="{358AFD3D-0780-4A49-8EFD-A99312463CB2}" type="datetimeFigureOut">
               <a:rPr lang="en-US" smtClean="0"/>
-              <a:t>9/18/2019</a:t>
+              <a:t>9/22/2019</a:t>
             </a:fld>
             <a:endParaRPr lang="en-US"/>
           </a:p>
@@ -3848,7 +3848,7 @@
           <a:p>
             <a:fld id="{358AFD3D-0780-4A49-8EFD-A99312463CB2}" type="datetimeFigureOut">
               <a:rPr lang="en-US" smtClean="0"/>
-              <a:t>9/18/2019</a:t>
+              <a:t>9/22/2019</a:t>
             </a:fld>
             <a:endParaRPr lang="en-US"/>
           </a:p>
@@ -4046,7 +4046,7 @@
           <a:p>
             <a:fld id="{358AFD3D-0780-4A49-8EFD-A99312463CB2}" type="datetimeFigureOut">
               <a:rPr lang="en-US" smtClean="0"/>
-              <a:t>9/18/2019</a:t>
+              <a:t>9/22/2019</a:t>
             </a:fld>
             <a:endParaRPr lang="en-US"/>
           </a:p>
@@ -4321,7 +4321,7 @@
           <a:p>
             <a:fld id="{358AFD3D-0780-4A49-8EFD-A99312463CB2}" type="datetimeFigureOut">
               <a:rPr lang="en-US" smtClean="0"/>
-              <a:t>9/18/2019</a:t>
+              <a:t>9/22/2019</a:t>
             </a:fld>
             <a:endParaRPr lang="en-US"/>
           </a:p>
@@ -4586,7 +4586,7 @@
           <a:p>
             <a:fld id="{358AFD3D-0780-4A49-8EFD-A99312463CB2}" type="datetimeFigureOut">
               <a:rPr lang="en-US" smtClean="0"/>
-              <a:t>9/18/2019</a:t>
+              <a:t>9/22/2019</a:t>
             </a:fld>
             <a:endParaRPr lang="en-US"/>
           </a:p>
@@ -4998,7 +4998,7 @@
           <a:p>
             <a:fld id="{358AFD3D-0780-4A49-8EFD-A99312463CB2}" type="datetimeFigureOut">
               <a:rPr lang="en-US" smtClean="0"/>
-              <a:t>9/18/2019</a:t>
+              <a:t>9/22/2019</a:t>
             </a:fld>
             <a:endParaRPr lang="en-US"/>
           </a:p>
@@ -5139,7 +5139,7 @@
           <a:p>
             <a:fld id="{358AFD3D-0780-4A49-8EFD-A99312463CB2}" type="datetimeFigureOut">
               <a:rPr lang="en-US" smtClean="0"/>
-              <a:t>9/18/2019</a:t>
+              <a:t>9/22/2019</a:t>
             </a:fld>
             <a:endParaRPr lang="en-US"/>
           </a:p>
@@ -5252,7 +5252,7 @@
           <a:p>
             <a:fld id="{358AFD3D-0780-4A49-8EFD-A99312463CB2}" type="datetimeFigureOut">
               <a:rPr lang="en-US" smtClean="0"/>
-              <a:t>9/18/2019</a:t>
+              <a:t>9/22/2019</a:t>
             </a:fld>
             <a:endParaRPr lang="en-US"/>
           </a:p>
@@ -5563,7 +5563,7 @@
           <a:p>
             <a:fld id="{358AFD3D-0780-4A49-8EFD-A99312463CB2}" type="datetimeFigureOut">
               <a:rPr lang="en-US" smtClean="0"/>
-              <a:t>9/18/2019</a:t>
+              <a:t>9/22/2019</a:t>
             </a:fld>
             <a:endParaRPr lang="en-US"/>
           </a:p>
@@ -5851,7 +5851,7 @@
           <a:p>
             <a:fld id="{358AFD3D-0780-4A49-8EFD-A99312463CB2}" type="datetimeFigureOut">
               <a:rPr lang="en-US" smtClean="0"/>
-              <a:t>9/18/2019</a:t>
+              <a:t>9/22/2019</a:t>
             </a:fld>
             <a:endParaRPr lang="en-US"/>
           </a:p>
@@ -6092,7 +6092,7 @@
           <a:p>
             <a:fld id="{358AFD3D-0780-4A49-8EFD-A99312463CB2}" type="datetimeFigureOut">
               <a:rPr lang="en-US" smtClean="0"/>
-              <a:t>9/18/2019</a:t>
+              <a:t>9/22/2019</a:t>
             </a:fld>
             <a:endParaRPr lang="en-US"/>
           </a:p>
@@ -9934,6 +9934,19 @@
           <a:p>
             <a:r>
               <a:rPr lang="en-US" dirty="0"/>
+              <a:t>You tell Batch what kind of AWS instances to use (e.g. </a:t>
+            </a:r>
+            <a:r>
+              <a:rPr lang="en-US"/>
+              <a:t>72 cores) </a:t>
+            </a:r>
+          </a:p>
+          <a:p>
+            <a:endParaRPr lang="en-US" dirty="0"/>
+          </a:p>
+          <a:p>
+            <a:r>
+              <a:rPr lang="en-US" dirty="0"/>
               <a:t>Batch uses Docker containers to run your code</a:t>
             </a:r>
           </a:p>
@@ -9942,23 +9955,6 @@
             <a:r>
               <a:rPr lang="en-US" dirty="0"/>
               <a:t>You’ll need to create a container with your version of R and other software</a:t>
-            </a:r>
-          </a:p>
-          <a:p>
-            <a:endParaRPr lang="en-US" dirty="0"/>
-          </a:p>
-          <a:p>
-            <a:r>
-              <a:rPr lang="en-US" dirty="0"/>
-              <a:t>You </a:t>
-            </a:r>
-            <a:r>
-              <a:rPr lang="en-US"/>
-              <a:t>tell Batch </a:t>
-            </a:r>
-            <a:r>
-              <a:rPr lang="en-US" dirty="0"/>
-              <a:t>what kind of AWS instances to use (e.g. 72 cores) </a:t>
             </a:r>
           </a:p>
           <a:p>
